--- a/docs/Hackathon 2021 答辩模板.pptx
+++ b/docs/Hackathon 2021 答辩模板.pptx
@@ -15,16 +15,15 @@
     <p:sldId id="272" r:id="rId8"/>
     <p:sldId id="273" r:id="rId9"/>
     <p:sldId id="274" r:id="rId10"/>
-    <p:sldId id="275" r:id="rId11"/>
-    <p:sldId id="259" r:id="rId12"/>
-    <p:sldId id="258" r:id="rId13"/>
-    <p:sldId id="262" r:id="rId14"/>
-    <p:sldId id="263" r:id="rId15"/>
-    <p:sldId id="264" r:id="rId16"/>
-    <p:sldId id="265" r:id="rId17"/>
-    <p:sldId id="266" r:id="rId18"/>
-    <p:sldId id="267" r:id="rId19"/>
-    <p:sldId id="268" r:id="rId20"/>
+    <p:sldId id="259" r:id="rId11"/>
+    <p:sldId id="258" r:id="rId12"/>
+    <p:sldId id="262" r:id="rId13"/>
+    <p:sldId id="263" r:id="rId14"/>
+    <p:sldId id="264" r:id="rId15"/>
+    <p:sldId id="265" r:id="rId16"/>
+    <p:sldId id="266" r:id="rId17"/>
+    <p:sldId id="267" r:id="rId18"/>
+    <p:sldId id="268" r:id="rId19"/>
   </p:sldIdLst>
   <p:sldSz cx="9144000" cy="5143500"/>
   <p:notesSz cx="6858000" cy="9144000"/>
@@ -5756,87 +5755,6 @@
   <p:cSld>
     <p:spTree>
       <p:nvGrpSpPr>
-        <p:cNvPr id="62" name="Shape 62"/>
-        <p:cNvGrpSpPr/>
-        <p:nvPr/>
-      </p:nvGrpSpPr>
-      <p:grpSpPr>
-        <a:xfrm>
-          <a:off x="0" y="0"/>
-          <a:ext cx="0" cy="0"/>
-          <a:chOff x="0" y="0"/>
-          <a:chExt cx="0" cy="0"/>
-        </a:xfrm>
-      </p:grpSpPr>
-      <p:sp>
-        <p:nvSpPr>
-          <p:cNvPr id="63" name="Google Shape;63;p15"/>
-          <p:cNvSpPr txBox="1"/>
-          <p:nvPr/>
-        </p:nvSpPr>
-        <p:spPr>
-          <a:xfrm>
-            <a:off x="362600" y="292875"/>
-            <a:ext cx="4809600" cy="550545"/>
-          </a:xfrm>
-          <a:prstGeom prst="rect">
-            <a:avLst/>
-          </a:prstGeom>
-          <a:noFill/>
-          <a:ln>
-            <a:noFill/>
-          </a:ln>
-        </p:spPr>
-        <p:txBody>
-          <a:bodyPr spcFirstLastPara="1" wrap="square" lIns="91425" tIns="91425" rIns="91425" bIns="91425" anchor="t" anchorCtr="0">
-            <a:spAutoFit/>
-          </a:bodyPr>
-          <a:lstStyle/>
-          <a:p>
-            <a:pPr marL="0" lvl="0" indent="0" algn="l" rtl="0">
-              <a:spcBef>
-                <a:spcPts val="0"/>
-              </a:spcBef>
-              <a:spcAft>
-                <a:spcPts val="0"/>
-              </a:spcAft>
-              <a:buNone/>
-            </a:pPr>
-            <a:r>
-              <a:rPr lang="zh-CN" sz="2400" b="1">
-                <a:solidFill>
-                  <a:schemeClr val="dk1"/>
-                </a:solidFill>
-                <a:latin typeface="微软雅黑" panose="020B0503020204020204" charset="-122"/>
-                <a:ea typeface="微软雅黑" panose="020B0503020204020204" charset="-122"/>
-                <a:cs typeface="微软雅黑" panose="020B0503020204020204" charset="-122"/>
-              </a:rPr>
-              <a:t> 项目解决了什么问题？</a:t>
-            </a:r>
-            <a:endParaRPr lang="zh-CN" sz="2400" b="1">
-              <a:solidFill>
-                <a:schemeClr val="dk1"/>
-              </a:solidFill>
-              <a:latin typeface="微软雅黑" panose="020B0503020204020204" charset="-122"/>
-              <a:ea typeface="微软雅黑" panose="020B0503020204020204" charset="-122"/>
-              <a:cs typeface="微软雅黑" panose="020B0503020204020204" charset="-122"/>
-            </a:endParaRPr>
-          </a:p>
-        </p:txBody>
-      </p:sp>
-    </p:spTree>
-  </p:cSld>
-  <p:clrMapOvr>
-    <a:masterClrMapping/>
-  </p:clrMapOvr>
-</p:sld>
-</file>
-
-<file path=ppt/slides/slide11.xml><?xml version="1.0" encoding="utf-8"?>
-<p:sld xmlns:a="http://schemas.openxmlformats.org/drawingml/2006/main" xmlns:r="http://schemas.openxmlformats.org/officeDocument/2006/relationships" xmlns:p="http://schemas.openxmlformats.org/presentationml/2006/main">
-  <p:cSld>
-    <p:spTree>
-      <p:nvGrpSpPr>
         <p:cNvPr id="1" name=""/>
         <p:cNvGrpSpPr/>
         <p:nvPr/>
@@ -5962,7 +5880,7 @@
 </p:sld>
 </file>
 
-<file path=ppt/slides/slide12.xml><?xml version="1.0" encoding="utf-8"?>
+<file path=ppt/slides/slide11.xml><?xml version="1.0" encoding="utf-8"?>
 <p:sld xmlns:a="http://schemas.openxmlformats.org/drawingml/2006/main" xmlns:r="http://schemas.openxmlformats.org/officeDocument/2006/relationships" xmlns:p="http://schemas.openxmlformats.org/presentationml/2006/main">
   <p:cSld>
     <p:spTree>
@@ -6044,7 +5962,7 @@
         <p:spPr>
           <a:xfrm>
             <a:off x="804545" y="1321435"/>
-            <a:ext cx="5647690" cy="737235"/>
+            <a:ext cx="5647690" cy="1383665"/>
           </a:xfrm>
           <a:prstGeom prst="rect">
             <a:avLst/>
@@ -6071,6 +5989,67 @@
             <a:r>
               <a:rPr lang="en-US" altLang="zh-CN"/>
               <a:t>put key with ttl</a:t>
+            </a:r>
+            <a:endParaRPr lang="en-US" altLang="zh-CN"/>
+          </a:p>
+          <a:p>
+            <a:pPr marL="285750" indent="-285750">
+              <a:buFont typeface="Arial" panose="020B0604020202090204" pitchFamily="34" charset="0"/>
+              <a:buChar char="•"/>
+            </a:pPr>
+            <a:r>
+              <a:rPr lang="zh-CN" altLang="en-US">
+                <a:sym typeface="+mn-ea"/>
+              </a:rPr>
+              <a:t>实现</a:t>
+            </a:r>
+            <a:r>
+              <a:rPr lang="en-US" altLang="zh-CN">
+                <a:sym typeface="+mn-ea"/>
+              </a:rPr>
+              <a:t>string</a:t>
+            </a:r>
+            <a:r>
+              <a:rPr lang="zh-CN" altLang="en-US">
+                <a:ea typeface="宋体" charset="0"/>
+                <a:sym typeface="+mn-ea"/>
+              </a:rPr>
+              <a:t>，</a:t>
+            </a:r>
+            <a:r>
+              <a:rPr lang="en-US" altLang="zh-CN">
+                <a:ea typeface="宋体" charset="0"/>
+                <a:sym typeface="+mn-ea"/>
+              </a:rPr>
+              <a:t>set</a:t>
+            </a:r>
+            <a:r>
+              <a:rPr lang="zh-CN" altLang="en-US">
+                <a:ea typeface="宋体" charset="0"/>
+                <a:sym typeface="+mn-ea"/>
+              </a:rPr>
+              <a:t>两种数据结构的映射关系</a:t>
+            </a:r>
+            <a:r>
+              <a:rPr lang="en-US" altLang="zh-CN">
+                <a:ea typeface="宋体" charset="0"/>
+                <a:sym typeface="+mn-ea"/>
+              </a:rPr>
+              <a:t>(</a:t>
+            </a:r>
+            <a:r>
+              <a:rPr lang="zh-CN" altLang="en-US">
+                <a:ea typeface="宋体" charset="0"/>
+                <a:sym typeface="+mn-ea"/>
+              </a:rPr>
+              <a:t>粗糙版</a:t>
+            </a:r>
+            <a:r>
+              <a:rPr lang="en-US" altLang="zh-CN">
+                <a:ea typeface="宋体" charset="0"/>
+                <a:sym typeface="+mn-ea"/>
+              </a:rPr>
+              <a:t>)</a:t>
             </a:r>
             <a:endParaRPr lang="zh-CN" altLang="en-US"/>
           </a:p>
@@ -6120,7 +6099,58 @@
               </a:rPr>
               <a:t>的解码器</a:t>
             </a:r>
-            <a:endParaRPr lang="zh-CN" altLang="en-US"/>
+            <a:endParaRPr lang="zh-CN" altLang="en-US">
+              <a:sym typeface="+mn-ea"/>
+            </a:endParaRPr>
+          </a:p>
+          <a:p>
+            <a:pPr marL="285750" indent="-285750">
+              <a:buFont typeface="Arial" panose="020B0604020202090204" pitchFamily="34" charset="0"/>
+              <a:buChar char="•"/>
+            </a:pPr>
+            <a:r>
+              <a:rPr lang="zh-CN" altLang="en-US">
+                <a:sym typeface="+mn-ea"/>
+              </a:rPr>
+              <a:t>实现</a:t>
+            </a:r>
+            <a:r>
+              <a:rPr lang="en-US" altLang="zh-CN">
+                <a:sym typeface="+mn-ea"/>
+              </a:rPr>
+              <a:t>restore cli </a:t>
+            </a:r>
+            <a:r>
+              <a:rPr lang="zh-CN" altLang="en-US">
+                <a:sym typeface="+mn-ea"/>
+              </a:rPr>
+              <a:t>程序，串联起</a:t>
+            </a:r>
+            <a:r>
+              <a:rPr lang="en-US" altLang="zh-CN">
+                <a:sym typeface="+mn-ea"/>
+              </a:rPr>
+              <a:t>tikv to redis</a:t>
+            </a:r>
+            <a:r>
+              <a:rPr lang="zh-CN" altLang="en-US">
+                <a:sym typeface="+mn-ea"/>
+              </a:rPr>
+              <a:t>的流程</a:t>
+            </a:r>
+            <a:endParaRPr lang="zh-CN" altLang="en-US">
+              <a:sym typeface="+mn-ea"/>
+            </a:endParaRPr>
+          </a:p>
+          <a:p>
+            <a:pPr marL="285750" indent="-285750">
+              <a:buFont typeface="Arial" panose="020B0604020202090204" pitchFamily="34" charset="0"/>
+              <a:buChar char="•"/>
+            </a:pPr>
+            <a:endParaRPr lang="zh-CN" altLang="en-US">
+              <a:ea typeface="宋体" charset="0"/>
+              <a:sym typeface="+mn-ea"/>
+            </a:endParaRPr>
           </a:p>
         </p:txBody>
       </p:sp>
@@ -6132,7 +6162,7 @@
 </p:sld>
 </file>
 
-<file path=ppt/slides/slide13.xml><?xml version="1.0" encoding="utf-8"?>
+<file path=ppt/slides/slide12.xml><?xml version="1.0" encoding="utf-8"?>
 <p:sld xmlns:a="http://schemas.openxmlformats.org/drawingml/2006/main" xmlns:r="http://schemas.openxmlformats.org/officeDocument/2006/relationships" xmlns:p="http://schemas.openxmlformats.org/presentationml/2006/main">
   <p:cSld>
     <p:spTree>
@@ -6205,7 +6235,7 @@
 </p:sld>
 </file>
 
-<file path=ppt/slides/slide14.xml><?xml version="1.0" encoding="utf-8"?>
+<file path=ppt/slides/slide13.xml><?xml version="1.0" encoding="utf-8"?>
 <p:sld xmlns:a="http://schemas.openxmlformats.org/drawingml/2006/main" xmlns:r="http://schemas.openxmlformats.org/officeDocument/2006/relationships" xmlns:p="http://schemas.openxmlformats.org/presentationml/2006/main">
   <p:cSld>
     <p:spTree>
@@ -6286,7 +6316,7 @@
 </p:sld>
 </file>
 
-<file path=ppt/slides/slide15.xml><?xml version="1.0" encoding="utf-8"?>
+<file path=ppt/slides/slide14.xml><?xml version="1.0" encoding="utf-8"?>
 <p:sld xmlns:a="http://schemas.openxmlformats.org/drawingml/2006/main" xmlns:r="http://schemas.openxmlformats.org/officeDocument/2006/relationships" xmlns:p="http://schemas.openxmlformats.org/presentationml/2006/main">
   <p:cSld>
     <p:spTree>
@@ -6359,7 +6389,7 @@
 </p:sld>
 </file>
 
-<file path=ppt/slides/slide16.xml><?xml version="1.0" encoding="utf-8"?>
+<file path=ppt/slides/slide15.xml><?xml version="1.0" encoding="utf-8"?>
 <p:sld xmlns:a="http://schemas.openxmlformats.org/drawingml/2006/main" xmlns:r="http://schemas.openxmlformats.org/officeDocument/2006/relationships" xmlns:p="http://schemas.openxmlformats.org/presentationml/2006/main">
   <p:cSld>
     <p:spTree>
@@ -6575,7 +6605,7 @@
 </p:sld>
 </file>
 
-<file path=ppt/slides/slide17.xml><?xml version="1.0" encoding="utf-8"?>
+<file path=ppt/slides/slide16.xml><?xml version="1.0" encoding="utf-8"?>
 <p:sld xmlns:a="http://schemas.openxmlformats.org/drawingml/2006/main" xmlns:r="http://schemas.openxmlformats.org/officeDocument/2006/relationships" xmlns:p="http://schemas.openxmlformats.org/presentationml/2006/main">
   <p:cSld>
     <p:spTree>
@@ -6727,8 +6757,8 @@
         </p:nvSpPr>
         <p:spPr>
           <a:xfrm>
-            <a:off x="573405" y="1598930"/>
-            <a:ext cx="2110740" cy="1630045"/>
+            <a:off x="4168140" y="836930"/>
+            <a:ext cx="3239135" cy="3784600"/>
           </a:xfrm>
           <a:prstGeom prst="rect">
             <a:avLst/>
@@ -6758,7 +6788,37 @@
                 <a:ea typeface="微软雅黑" panose="020B0503020204020204" charset="-122"/>
                 <a:sym typeface="+mn-ea"/>
               </a:rPr>
-              <a:t>队长：贾世闻</a:t>
+              <a:t>贾世闻</a:t>
+            </a:r>
+            <a:endParaRPr lang="zh-CN" sz="2000">
+              <a:solidFill>
+                <a:schemeClr val="dk1"/>
+              </a:solidFill>
+              <a:latin typeface="微软雅黑" panose="020B0503020204020204" charset="-122"/>
+              <a:ea typeface="微软雅黑" panose="020B0503020204020204" charset="-122"/>
+              <a:sym typeface="+mn-ea"/>
+            </a:endParaRPr>
+          </a:p>
+          <a:p>
+            <a:pPr marL="0" lvl="0" indent="0" algn="l" rtl="0">
+              <a:spcBef>
+                <a:spcPts val="0"/>
+              </a:spcBef>
+              <a:spcAft>
+                <a:spcPts val="0"/>
+              </a:spcAft>
+              <a:buNone/>
+            </a:pPr>
+            <a:r>
+              <a:rPr lang="en-US" altLang="zh-CN" sz="2000">
+                <a:solidFill>
+                  <a:schemeClr val="dk1"/>
+                </a:solidFill>
+                <a:latin typeface="微软雅黑" panose="020B0503020204020204" charset="-122"/>
+                <a:ea typeface="微软雅黑" panose="020B0503020204020204" charset="-122"/>
+                <a:sym typeface="+mn-ea"/>
+              </a:rPr>
+              <a:t>jiashiwen</a:t>
             </a:r>
             <a:endParaRPr lang="zh-CN" sz="2000">
               <a:solidFill>
@@ -6807,27 +6867,8 @@
                 <a:ea typeface="微软雅黑" panose="020B0503020204020204" charset="-122"/>
                 <a:sym typeface="+mn-ea"/>
               </a:rPr>
-              <a:t>队员：展恩强</a:t>
+              <a:t>展恩强</a:t>
             </a:r>
-            <a:endParaRPr lang="zh-CN" sz="2000">
-              <a:solidFill>
-                <a:schemeClr val="dk1"/>
-              </a:solidFill>
-              <a:latin typeface="微软雅黑" panose="020B0503020204020204" charset="-122"/>
-              <a:ea typeface="微软雅黑" panose="020B0503020204020204" charset="-122"/>
-              <a:sym typeface="+mn-ea"/>
-            </a:endParaRPr>
-          </a:p>
-          <a:p>
-            <a:pPr marL="0" lvl="0" indent="0" algn="l" rtl="0">
-              <a:spcBef>
-                <a:spcPts val="0"/>
-              </a:spcBef>
-              <a:spcAft>
-                <a:spcPts val="0"/>
-              </a:spcAft>
-              <a:buNone/>
-            </a:pPr>
             <a:endParaRPr lang="zh-CN" sz="2000">
               <a:solidFill>
                 <a:schemeClr val="dk1"/>
@@ -6856,8 +6897,185 @@
                 <a:ea typeface="微软雅黑" panose="020B0503020204020204" charset="-122"/>
                 <a:sym typeface="+mn-ea"/>
               </a:rPr>
-              <a:t>队员：洛安迪</a:t>
+              <a:t>pingxingshikong</a:t>
             </a:r>
+            <a:endParaRPr lang="zh-CN" sz="2000">
+              <a:solidFill>
+                <a:schemeClr val="dk1"/>
+              </a:solidFill>
+              <a:latin typeface="微软雅黑" panose="020B0503020204020204" charset="-122"/>
+              <a:ea typeface="微软雅黑" panose="020B0503020204020204" charset="-122"/>
+              <a:sym typeface="+mn-ea"/>
+            </a:endParaRPr>
+          </a:p>
+          <a:p>
+            <a:pPr marL="0" lvl="0" indent="0" algn="l" rtl="0">
+              <a:spcBef>
+                <a:spcPts val="0"/>
+              </a:spcBef>
+              <a:spcAft>
+                <a:spcPts val="0"/>
+              </a:spcAft>
+              <a:buNone/>
+            </a:pPr>
+            <a:endParaRPr lang="zh-CN" sz="2000">
+              <a:solidFill>
+                <a:schemeClr val="dk1"/>
+              </a:solidFill>
+              <a:latin typeface="微软雅黑" panose="020B0503020204020204" charset="-122"/>
+              <a:ea typeface="微软雅黑" panose="020B0503020204020204" charset="-122"/>
+              <a:sym typeface="+mn-ea"/>
+            </a:endParaRPr>
+          </a:p>
+          <a:p>
+            <a:pPr marL="0" lvl="0" indent="0" algn="l" rtl="0">
+              <a:spcBef>
+                <a:spcPts val="0"/>
+              </a:spcBef>
+              <a:spcAft>
+                <a:spcPts val="0"/>
+              </a:spcAft>
+              <a:buNone/>
+            </a:pPr>
+            <a:r>
+              <a:rPr lang="zh-CN" sz="2000">
+                <a:solidFill>
+                  <a:schemeClr val="dk1"/>
+                </a:solidFill>
+                <a:latin typeface="微软雅黑" panose="020B0503020204020204" charset="-122"/>
+                <a:ea typeface="微软雅黑" panose="020B0503020204020204" charset="-122"/>
+                <a:sym typeface="+mn-ea"/>
+              </a:rPr>
+              <a:t>洛安迪</a:t>
+            </a:r>
+            <a:endParaRPr lang="zh-CN" sz="2000">
+              <a:solidFill>
+                <a:schemeClr val="dk1"/>
+              </a:solidFill>
+              <a:latin typeface="微软雅黑" panose="020B0503020204020204" charset="-122"/>
+              <a:ea typeface="微软雅黑" panose="020B0503020204020204" charset="-122"/>
+              <a:sym typeface="+mn-ea"/>
+            </a:endParaRPr>
+          </a:p>
+          <a:p>
+            <a:pPr marL="0" lvl="0" indent="0" algn="l" rtl="0">
+              <a:spcBef>
+                <a:spcPts val="0"/>
+              </a:spcBef>
+              <a:spcAft>
+                <a:spcPts val="0"/>
+              </a:spcAft>
+              <a:buNone/>
+            </a:pPr>
+            <a:r>
+              <a:rPr lang="zh-CN" sz="2000">
+                <a:solidFill>
+                  <a:schemeClr val="dk1"/>
+                </a:solidFill>
+                <a:latin typeface="微软雅黑" panose="020B0503020204020204" charset="-122"/>
+                <a:ea typeface="微软雅黑" panose="020B0503020204020204" charset="-122"/>
+                <a:sym typeface="+mn-ea"/>
+              </a:rPr>
+              <a:t>andylokandy</a:t>
+            </a:r>
+            <a:endParaRPr lang="zh-CN" sz="2000">
+              <a:solidFill>
+                <a:schemeClr val="dk1"/>
+              </a:solidFill>
+              <a:latin typeface="微软雅黑" panose="020B0503020204020204" charset="-122"/>
+              <a:ea typeface="微软雅黑" panose="020B0503020204020204" charset="-122"/>
+              <a:sym typeface="+mn-ea"/>
+            </a:endParaRPr>
+          </a:p>
+          <a:p>
+            <a:pPr marL="0" lvl="0" indent="0" algn="l" rtl="0">
+              <a:spcBef>
+                <a:spcPts val="0"/>
+              </a:spcBef>
+              <a:spcAft>
+                <a:spcPts val="0"/>
+              </a:spcAft>
+              <a:buNone/>
+            </a:pPr>
+            <a:endParaRPr lang="zh-CN" sz="2000">
+              <a:solidFill>
+                <a:schemeClr val="dk1"/>
+              </a:solidFill>
+              <a:latin typeface="微软雅黑" panose="020B0503020204020204" charset="-122"/>
+              <a:ea typeface="微软雅黑" panose="020B0503020204020204" charset="-122"/>
+              <a:sym typeface="+mn-ea"/>
+            </a:endParaRPr>
+          </a:p>
+          <a:p>
+            <a:pPr marL="0" lvl="0" indent="0" algn="l" rtl="0">
+              <a:spcBef>
+                <a:spcPts val="0"/>
+              </a:spcBef>
+              <a:spcAft>
+                <a:spcPts val="0"/>
+              </a:spcAft>
+              <a:buNone/>
+            </a:pPr>
+            <a:r>
+              <a:rPr lang="zh-CN" sz="2000">
+                <a:solidFill>
+                  <a:schemeClr val="dk1"/>
+                </a:solidFill>
+                <a:latin typeface="微软雅黑" panose="020B0503020204020204" charset="-122"/>
+                <a:ea typeface="微软雅黑" panose="020B0503020204020204" charset="-122"/>
+                <a:sym typeface="+mn-ea"/>
+              </a:rPr>
+              <a:t>李坤</a:t>
+            </a:r>
+            <a:endParaRPr lang="zh-CN" sz="2000">
+              <a:solidFill>
+                <a:schemeClr val="dk1"/>
+              </a:solidFill>
+              <a:latin typeface="微软雅黑" panose="020B0503020204020204" charset="-122"/>
+              <a:ea typeface="微软雅黑" panose="020B0503020204020204" charset="-122"/>
+              <a:sym typeface="+mn-ea"/>
+            </a:endParaRPr>
+          </a:p>
+          <a:p>
+            <a:pPr marL="0" lvl="0" indent="0" algn="l" rtl="0">
+              <a:spcBef>
+                <a:spcPts val="0"/>
+              </a:spcBef>
+              <a:spcAft>
+                <a:spcPts val="0"/>
+              </a:spcAft>
+              <a:buNone/>
+            </a:pPr>
+            <a:r>
+              <a:rPr lang="zh-CN" sz="2000">
+                <a:solidFill>
+                  <a:schemeClr val="dk1"/>
+                </a:solidFill>
+                <a:latin typeface="微软雅黑" panose="020B0503020204020204" charset="-122"/>
+                <a:ea typeface="微软雅黑" panose="020B0503020204020204" charset="-122"/>
+                <a:sym typeface="+mn-ea"/>
+              </a:rPr>
+              <a:t>Hacker_etCubqyj</a:t>
+            </a:r>
+            <a:endParaRPr lang="zh-CN" sz="2000">
+              <a:solidFill>
+                <a:schemeClr val="dk1"/>
+              </a:solidFill>
+              <a:latin typeface="微软雅黑" panose="020B0503020204020204" charset="-122"/>
+              <a:ea typeface="微软雅黑" panose="020B0503020204020204" charset="-122"/>
+              <a:sym typeface="+mn-ea"/>
+            </a:endParaRPr>
+          </a:p>
+          <a:p>
+            <a:pPr marL="0" lvl="0" indent="0" algn="l" rtl="0">
+              <a:spcBef>
+                <a:spcPts val="0"/>
+              </a:spcBef>
+              <a:spcAft>
+                <a:spcPts val="0"/>
+              </a:spcAft>
+              <a:buNone/>
+            </a:pPr>
             <a:endParaRPr lang="zh-CN" sz="2000">
               <a:solidFill>
                 <a:schemeClr val="dk1"/>
@@ -6877,7 +7095,7 @@
         </p:nvSpPr>
         <p:spPr>
           <a:xfrm>
-            <a:off x="4781550" y="1778635"/>
+            <a:off x="744220" y="1899285"/>
             <a:ext cx="2631440" cy="521970"/>
           </a:xfrm>
           <a:prstGeom prst="rect">
@@ -6906,7 +7124,7 @@
         </p:nvSpPr>
         <p:spPr>
           <a:xfrm>
-            <a:off x="4601845" y="2674620"/>
+            <a:off x="360680" y="2746375"/>
             <a:ext cx="2919730" cy="521970"/>
           </a:xfrm>
           <a:prstGeom prst="rect">
@@ -7947,24 +8165,6 @@
         <p:nvPr/>
       </p:nvGrpSpPr>
       <p:grpSpPr/>
-    </p:spTree>
-  </p:cSld>
-  <p:clrMapOvr>
-    <a:masterClrMapping/>
-  </p:clrMapOvr>
-</p:sld>
-</file>
-
-<file path=ppt/slides/slide9.xml><?xml version="1.0" encoding="utf-8"?>
-<p:sld xmlns:a="http://schemas.openxmlformats.org/drawingml/2006/main" xmlns:r="http://schemas.openxmlformats.org/officeDocument/2006/relationships" xmlns:p="http://schemas.openxmlformats.org/presentationml/2006/main">
-  <p:cSld>
-    <p:spTree>
-      <p:nvGrpSpPr>
-        <p:cNvPr id="1" name=""/>
-        <p:cNvGrpSpPr/>
-        <p:nvPr/>
-      </p:nvGrpSpPr>
-      <p:grpSpPr/>
       <p:sp>
         <p:nvSpPr>
           <p:cNvPr id="53" name="Google Shape;53;p13"/>
@@ -8069,6 +8269,87 @@
             <a:endParaRPr lang="zh-CN" sz="1800" b="1">
               <a:solidFill>
                 <a:schemeClr val="lt1"/>
+              </a:solidFill>
+              <a:latin typeface="微软雅黑" panose="020B0503020204020204" charset="-122"/>
+              <a:ea typeface="微软雅黑" panose="020B0503020204020204" charset="-122"/>
+              <a:cs typeface="微软雅黑" panose="020B0503020204020204" charset="-122"/>
+            </a:endParaRPr>
+          </a:p>
+        </p:txBody>
+      </p:sp>
+    </p:spTree>
+  </p:cSld>
+  <p:clrMapOvr>
+    <a:masterClrMapping/>
+  </p:clrMapOvr>
+</p:sld>
+</file>
+
+<file path=ppt/slides/slide9.xml><?xml version="1.0" encoding="utf-8"?>
+<p:sld xmlns:a="http://schemas.openxmlformats.org/drawingml/2006/main" xmlns:r="http://schemas.openxmlformats.org/officeDocument/2006/relationships" xmlns:p="http://schemas.openxmlformats.org/presentationml/2006/main">
+  <p:cSld>
+    <p:spTree>
+      <p:nvGrpSpPr>
+        <p:cNvPr id="62" name="Shape 62"/>
+        <p:cNvGrpSpPr/>
+        <p:nvPr/>
+      </p:nvGrpSpPr>
+      <p:grpSpPr>
+        <a:xfrm>
+          <a:off x="0" y="0"/>
+          <a:ext cx="0" cy="0"/>
+          <a:chOff x="0" y="0"/>
+          <a:chExt cx="0" cy="0"/>
+        </a:xfrm>
+      </p:grpSpPr>
+      <p:sp>
+        <p:nvSpPr>
+          <p:cNvPr id="63" name="Google Shape;63;p15"/>
+          <p:cNvSpPr txBox="1"/>
+          <p:nvPr/>
+        </p:nvSpPr>
+        <p:spPr>
+          <a:xfrm>
+            <a:off x="362600" y="292875"/>
+            <a:ext cx="4809600" cy="550545"/>
+          </a:xfrm>
+          <a:prstGeom prst="rect">
+            <a:avLst/>
+          </a:prstGeom>
+          <a:noFill/>
+          <a:ln>
+            <a:noFill/>
+          </a:ln>
+        </p:spPr>
+        <p:txBody>
+          <a:bodyPr spcFirstLastPara="1" wrap="square" lIns="91425" tIns="91425" rIns="91425" bIns="91425" anchor="t" anchorCtr="0">
+            <a:spAutoFit/>
+          </a:bodyPr>
+          <a:lstStyle/>
+          <a:p>
+            <a:pPr marL="0" lvl="0" indent="0" algn="l" rtl="0">
+              <a:spcBef>
+                <a:spcPts val="0"/>
+              </a:spcBef>
+              <a:spcAft>
+                <a:spcPts val="0"/>
+              </a:spcAft>
+              <a:buNone/>
+            </a:pPr>
+            <a:r>
+              <a:rPr lang="zh-CN" sz="2400" b="1">
+                <a:solidFill>
+                  <a:schemeClr val="dk1"/>
+                </a:solidFill>
+                <a:latin typeface="微软雅黑" panose="020B0503020204020204" charset="-122"/>
+                <a:ea typeface="微软雅黑" panose="020B0503020204020204" charset="-122"/>
+                <a:cs typeface="微软雅黑" panose="020B0503020204020204" charset="-122"/>
+              </a:rPr>
+              <a:t> 项目解决了什么问题？</a:t>
+            </a:r>
+            <a:endParaRPr lang="zh-CN" sz="2400" b="1">
+              <a:solidFill>
+                <a:schemeClr val="dk1"/>
               </a:solidFill>
               <a:latin typeface="微软雅黑" panose="020B0503020204020204" charset="-122"/>
               <a:ea typeface="微软雅黑" panose="020B0503020204020204" charset="-122"/>
